--- a/PrOH-Modeller/Pro-python/uploads/MakeCarPlus_verbs.pptx
+++ b/PrOH-Modeller/Pro-python/uploads/MakeCarPlus_verbs.pptx
@@ -6,10 +6,6 @@
   </p:sldMasterIdLst>
   <p:sldIdLst>
     <p:sldId id="256" r:id="rId7"/>
-    <p:sldId id="257" r:id="rId8"/>
-    <p:sldId id="258" r:id="rId9"/>
-    <p:sldId id="259" r:id="rId10"/>
-    <p:sldId id="260" r:id="rId11"/>
   </p:sldIdLst>
   <p:sldSz cx="9144000" cy="6858000" type="screen4x3"/>
   <p:notesSz cx="6858000" cy="9144000"/>
@@ -3111,354 +3107,14 @@
       </p:sp>
       <p:sp>
         <p:nvSpPr>
-          <p:cNvPr id="3" name="Rounded Rectangle 2"/>
-          <p:cNvSpPr/>
+          <p:cNvPr id="3" name="TextBox 2"/>
+          <p:cNvSpPr txBox="1"/>
           <p:nvPr/>
         </p:nvSpPr>
         <p:spPr>
           <a:xfrm>
-            <a:off x="0" y="0"/>
-            <a:ext cx="1828800" cy="731520"/>
-          </a:xfrm>
-          <a:prstGeom prst="roundRect">
-            <a:avLst/>
-          </a:prstGeom>
-          <a:solidFill>
-            <a:srgbClr val="FFFFFF"/>
-          </a:solidFill>
-        </p:spPr>
-        <p:style>
-          <a:lnRef idx="1">
-            <a:schemeClr val="accent1"/>
-          </a:lnRef>
-          <a:fillRef idx="3">
-            <a:schemeClr val="accent1"/>
-          </a:fillRef>
-          <a:effectRef idx="2">
-            <a:schemeClr val="accent1"/>
-          </a:effectRef>
-          <a:fontRef idx="minor">
-            <a:schemeClr val="lt1"/>
-          </a:fontRef>
-        </p:style>
-        <p:txBody>
-          <a:bodyPr rtlCol="0" anchor="ctr"/>
-          <a:lstStyle/>
-          <a:p>
-            <a:pPr algn="ctr">
-              <a:defRPr sz="1800">
-                <a:solidFill>
-                  <a:srgbClr val="000000"/>
-                </a:solidFill>
-              </a:defRPr>
-            </a:pPr>
-            <a:r>
-              <a:t>supplier makes metal</a:t>
-            </a:r>
-          </a:p>
-        </p:txBody>
-      </p:sp>
-      <p:sp>
-        <p:nvSpPr>
-          <p:cNvPr id="4" name="Oval 3"/>
-          <p:cNvSpPr/>
-          <p:nvPr/>
-        </p:nvSpPr>
-        <p:spPr>
-          <a:xfrm>
-            <a:off x="1306285" y="979714"/>
-            <a:ext cx="1828800" cy="731520"/>
-          </a:xfrm>
-          <a:prstGeom prst="ellipse">
-            <a:avLst/>
-          </a:prstGeom>
-          <a:solidFill>
-            <a:srgbClr val="FF0000"/>
-          </a:solidFill>
-        </p:spPr>
-        <p:style>
-          <a:lnRef idx="1">
-            <a:schemeClr val="accent1"/>
-          </a:lnRef>
-          <a:fillRef idx="3">
-            <a:schemeClr val="accent1"/>
-          </a:fillRef>
-          <a:effectRef idx="2">
-            <a:schemeClr val="accent1"/>
-          </a:effectRef>
-          <a:fontRef idx="minor">
-            <a:schemeClr val="lt1"/>
-          </a:fontRef>
-        </p:style>
-        <p:txBody>
-          <a:bodyPr rtlCol="0" anchor="ctr"/>
-          <a:lstStyle/>
-          <a:p>
-            <a:pPr algn="ctr">
-              <a:defRPr sz="1800">
-                <a:solidFill>
-                  <a:srgbClr val="000000"/>
-                </a:solidFill>
-              </a:defRPr>
-            </a:pPr>
-            <a:r>
-              <a:t>supplier</a:t>
-            </a:r>
-          </a:p>
-        </p:txBody>
-      </p:sp>
-      <p:sp>
-        <p:nvSpPr>
-          <p:cNvPr id="5" name="Oval 4"/>
-          <p:cNvSpPr/>
-          <p:nvPr/>
-        </p:nvSpPr>
-        <p:spPr>
-          <a:xfrm>
-            <a:off x="2612571" y="1959428"/>
-            <a:ext cx="1828800" cy="731520"/>
-          </a:xfrm>
-          <a:prstGeom prst="ellipse">
-            <a:avLst/>
-          </a:prstGeom>
-          <a:solidFill>
-            <a:srgbClr val="00FF00"/>
-          </a:solidFill>
-        </p:spPr>
-        <p:style>
-          <a:lnRef idx="1">
-            <a:schemeClr val="accent1"/>
-          </a:lnRef>
-          <a:fillRef idx="3">
-            <a:schemeClr val="accent1"/>
-          </a:fillRef>
-          <a:effectRef idx="2">
-            <a:schemeClr val="accent1"/>
-          </a:effectRef>
-          <a:fontRef idx="minor">
-            <a:schemeClr val="lt1"/>
-          </a:fontRef>
-        </p:style>
-        <p:txBody>
-          <a:bodyPr rtlCol="0" anchor="ctr"/>
-          <a:lstStyle/>
-          <a:p>
-            <a:pPr algn="ctr">
-              <a:defRPr sz="1800">
-                <a:solidFill>
-                  <a:srgbClr val="000000"/>
-                </a:solidFill>
-              </a:defRPr>
-            </a:pPr>
-            <a:r>
-              <a:t>metal</a:t>
-            </a:r>
-          </a:p>
-        </p:txBody>
-      </p:sp>
-      <p:sp>
-        <p:nvSpPr>
-          <p:cNvPr id="6" name="Oval 5"/>
-          <p:cNvSpPr/>
-          <p:nvPr/>
-        </p:nvSpPr>
-        <p:spPr>
-          <a:xfrm>
-            <a:off x="3918857" y="2939142"/>
-            <a:ext cx="1828800" cy="731520"/>
-          </a:xfrm>
-          <a:prstGeom prst="ellipse">
-            <a:avLst/>
-          </a:prstGeom>
-          <a:solidFill>
-            <a:srgbClr val="FF0000"/>
-          </a:solidFill>
-        </p:spPr>
-        <p:style>
-          <a:lnRef idx="1">
-            <a:schemeClr val="accent1"/>
-          </a:lnRef>
-          <a:fillRef idx="3">
-            <a:schemeClr val="accent1"/>
-          </a:fillRef>
-          <a:effectRef idx="2">
-            <a:schemeClr val="accent1"/>
-          </a:effectRef>
-          <a:fontRef idx="minor">
-            <a:schemeClr val="lt1"/>
-          </a:fontRef>
-        </p:style>
-        <p:txBody>
-          <a:bodyPr rtlCol="0" anchor="ctr"/>
-          <a:lstStyle/>
-          <a:p>
-            <a:pPr algn="ctr">
-              <a:defRPr sz="1800">
-                <a:solidFill>
-                  <a:srgbClr val="000000"/>
-                </a:solidFill>
-              </a:defRPr>
-            </a:pPr>
-            <a:r>
-              <a:t>manager</a:t>
-            </a:r>
-          </a:p>
-        </p:txBody>
-      </p:sp>
-      <p:sp>
-        <p:nvSpPr>
-          <p:cNvPr id="7" name="Oval 6"/>
-          <p:cNvSpPr/>
-          <p:nvPr/>
-        </p:nvSpPr>
-        <p:spPr>
-          <a:xfrm>
-            <a:off x="5225142" y="3918857"/>
-            <a:ext cx="1828800" cy="731520"/>
-          </a:xfrm>
-          <a:prstGeom prst="ellipse">
-            <a:avLst/>
-          </a:prstGeom>
-          <a:solidFill>
-            <a:srgbClr val="00FF00"/>
-          </a:solidFill>
-        </p:spPr>
-        <p:style>
-          <a:lnRef idx="1">
-            <a:schemeClr val="accent1"/>
-          </a:lnRef>
-          <a:fillRef idx="3">
-            <a:schemeClr val="accent1"/>
-          </a:fillRef>
-          <a:effectRef idx="2">
-            <a:schemeClr val="accent1"/>
-          </a:effectRef>
-          <a:fontRef idx="minor">
-            <a:schemeClr val="lt1"/>
-          </a:fontRef>
-        </p:style>
-        <p:txBody>
-          <a:bodyPr rtlCol="0" anchor="ctr"/>
-          <a:lstStyle/>
-          <a:p>
-            <a:pPr algn="ctr">
-              <a:defRPr sz="1800">
-                <a:solidFill>
-                  <a:srgbClr val="000000"/>
-                </a:solidFill>
-              </a:defRPr>
-            </a:pPr>
-            <a:r>
-              <a:t>car</a:t>
-            </a:r>
-          </a:p>
-        </p:txBody>
-      </p:sp>
-      <p:sp>
-        <p:nvSpPr>
-          <p:cNvPr id="8" name="Rounded Rectangle 7"/>
-          <p:cNvSpPr/>
-          <p:nvPr/>
-        </p:nvSpPr>
-        <p:spPr>
-          <a:xfrm>
-            <a:off x="7837714" y="5878285"/>
-            <a:ext cx="1828800" cy="731520"/>
-          </a:xfrm>
-          <a:prstGeom prst="roundRect">
-            <a:avLst/>
-          </a:prstGeom>
-          <a:solidFill>
-            <a:srgbClr val="FFFFFF"/>
-          </a:solidFill>
-        </p:spPr>
-        <p:style>
-          <a:lnRef idx="1">
-            <a:schemeClr val="accent1"/>
-          </a:lnRef>
-          <a:fillRef idx="3">
-            <a:schemeClr val="accent1"/>
-          </a:fillRef>
-          <a:effectRef idx="2">
-            <a:schemeClr val="accent1"/>
-          </a:effectRef>
-          <a:fontRef idx="minor">
-            <a:schemeClr val="lt1"/>
-          </a:fontRef>
-        </p:style>
-        <p:txBody>
-          <a:bodyPr rtlCol="0" anchor="ctr"/>
-          <a:lstStyle/>
-          <a:p>
-            <a:pPr algn="ctr">
-              <a:defRPr sz="1800">
-                <a:solidFill>
-                  <a:srgbClr val="000000"/>
-                </a:solidFill>
-              </a:defRPr>
-            </a:pPr>
-          </a:p>
-        </p:txBody>
-      </p:sp>
-      <p:sp>
-        <p:nvSpPr>
-          <p:cNvPr id="9" name="Oval 8"/>
-          <p:cNvSpPr/>
-          <p:nvPr/>
-        </p:nvSpPr>
-        <p:spPr>
-          <a:xfrm>
-            <a:off x="6531428" y="4898571"/>
-            <a:ext cx="1828800" cy="731520"/>
-          </a:xfrm>
-          <a:prstGeom prst="ellipse">
-            <a:avLst/>
-          </a:prstGeom>
-          <a:solidFill>
-            <a:srgbClr val="FF0000"/>
-          </a:solidFill>
-        </p:spPr>
-        <p:style>
-          <a:lnRef idx="1">
-            <a:schemeClr val="accent1"/>
-          </a:lnRef>
-          <a:fillRef idx="3">
-            <a:schemeClr val="accent1"/>
-          </a:fillRef>
-          <a:effectRef idx="2">
-            <a:schemeClr val="accent1"/>
-          </a:effectRef>
-          <a:fontRef idx="minor">
-            <a:schemeClr val="lt1"/>
-          </a:fontRef>
-        </p:style>
-        <p:txBody>
-          <a:bodyPr rtlCol="0" anchor="ctr"/>
-          <a:lstStyle/>
-          <a:p>
-            <a:pPr algn="ctr">
-              <a:defRPr sz="1800">
-                <a:solidFill>
-                  <a:srgbClr val="000000"/>
-                </a:solidFill>
-              </a:defRPr>
-            </a:pPr>
-            <a:r>
-              <a:t>user</a:t>
-            </a:r>
-          </a:p>
-        </p:txBody>
-      </p:sp>
-      <p:sp>
-        <p:nvSpPr>
-          <p:cNvPr id="10" name="TextBox 9"/>
-          <p:cNvSpPr txBox="1"/>
-          <p:nvPr/>
-        </p:nvSpPr>
-        <p:spPr>
-          <a:xfrm>
-            <a:off x="457200" y="6400800"/>
-            <a:ext cx="914400" cy="457200"/>
+            <a:off x="457200" y="914400"/>
+            <a:ext cx="2286000" cy="457200"/>
           </a:xfrm>
           <a:prstGeom prst="rect">
             <a:avLst/>
@@ -3473,21 +3129,21 @@
           <a:p>
             <a:pPr algn="ctr"/>
             <a:r>
-              <a:t>makes</a:t>
-            </a:r>
-          </a:p>
-        </p:txBody>
-      </p:sp>
-      <p:sp>
-        <p:nvSpPr>
-          <p:cNvPr id="11" name="TextBox 10"/>
+              <a:t>cuts</a:t>
+            </a:r>
+          </a:p>
+        </p:txBody>
+      </p:sp>
+      <p:sp>
+        <p:nvSpPr>
+          <p:cNvPr id="4" name="TextBox 3"/>
           <p:cNvSpPr txBox="1"/>
           <p:nvPr/>
         </p:nvSpPr>
         <p:spPr>
           <a:xfrm>
-            <a:off x="1371600" y="5943600"/>
-            <a:ext cx="914400" cy="457200"/>
+            <a:off x="457200" y="1371600"/>
+            <a:ext cx="2286000" cy="457200"/>
           </a:xfrm>
           <a:prstGeom prst="rect">
             <a:avLst/>
@@ -3502,1323 +3158,21 @@
           <a:p>
             <a:pPr algn="ctr"/>
             <a:r>
-              <a:t>drives</a:t>
-            </a:r>
-          </a:p>
-        </p:txBody>
-      </p:sp>
-    </p:spTree>
-  </p:cSld>
-  <p:clrMapOvr>
-    <a:masterClrMapping/>
-  </p:clrMapOvr>
-</p:sld>
-</file>
-
-<file path=ppt/slides/slide2.xml><?xml version="1.0" encoding="utf-8"?>
-<p:sld xmlns:a="http://schemas.openxmlformats.org/drawingml/2006/main" xmlns:p="http://schemas.openxmlformats.org/presentationml/2006/main" xmlns:r="http://schemas.openxmlformats.org/officeDocument/2006/relationships">
-  <p:cSld>
-    <p:spTree>
-      <p:nvGrpSpPr>
-        <p:cNvPr id="1" name=""/>
-        <p:cNvGrpSpPr/>
-        <p:nvPr/>
-      </p:nvGrpSpPr>
-      <p:grpSpPr/>
-      <p:sp>
-        <p:nvSpPr>
-          <p:cNvPr id="2" name="Title 1"/>
-          <p:cNvSpPr>
-            <a:spLocks noGrp="1"/>
-          </p:cNvSpPr>
-          <p:nvPr>
-            <p:ph type="title"/>
-          </p:nvPr>
-        </p:nvSpPr>
-        <p:spPr/>
-        <p:txBody>
-          <a:bodyPr/>
-          <a:lstStyle/>
-          <a:p/>
-        </p:txBody>
-      </p:sp>
-      <p:sp>
-        <p:nvSpPr>
-          <p:cNvPr id="3" name="Oval 2"/>
-          <p:cNvSpPr/>
+              <a:t>puts  together</a:t>
+            </a:r>
+          </a:p>
+        </p:txBody>
+      </p:sp>
+      <p:sp>
+        <p:nvSpPr>
+          <p:cNvPr id="5" name="TextBox 4"/>
+          <p:cNvSpPr txBox="1"/>
           <p:nvPr/>
         </p:nvSpPr>
         <p:spPr>
           <a:xfrm>
-            <a:off x="457200" y="914400"/>
-            <a:ext cx="1828800" cy="731520"/>
-          </a:xfrm>
-          <a:prstGeom prst="ellipse">
-            <a:avLst/>
-          </a:prstGeom>
-          <a:solidFill>
-            <a:srgbClr val="00FF00"/>
-          </a:solidFill>
-        </p:spPr>
-        <p:style>
-          <a:lnRef idx="1">
-            <a:schemeClr val="accent1"/>
-          </a:lnRef>
-          <a:fillRef idx="3">
-            <a:schemeClr val="accent1"/>
-          </a:fillRef>
-          <a:effectRef idx="2">
-            <a:schemeClr val="accent1"/>
-          </a:effectRef>
-          <a:fontRef idx="minor">
-            <a:schemeClr val="lt1"/>
-          </a:fontRef>
-        </p:style>
-        <p:txBody>
-          <a:bodyPr rtlCol="0" anchor="ctr"/>
-          <a:lstStyle/>
-          <a:p>
-            <a:pPr algn="ctr">
-              <a:defRPr sz="1800">
-                <a:solidFill>
-                  <a:srgbClr val="000000"/>
-                </a:solidFill>
-              </a:defRPr>
-            </a:pPr>
-            <a:r>
-              <a:t>metal </a:t>
-            </a:r>
-          </a:p>
-        </p:txBody>
-      </p:sp>
-      <p:sp>
-        <p:nvSpPr>
-          <p:cNvPr id="4" name="Oval 3"/>
-          <p:cNvSpPr/>
-          <p:nvPr/>
-        </p:nvSpPr>
-        <p:spPr>
-          <a:xfrm>
-            <a:off x="2286000" y="914400"/>
-            <a:ext cx="1828800" cy="731520"/>
-          </a:xfrm>
-          <a:prstGeom prst="ellipse">
-            <a:avLst/>
-          </a:prstGeom>
-          <a:solidFill>
-            <a:srgbClr val="FF0000"/>
-          </a:solidFill>
-        </p:spPr>
-        <p:style>
-          <a:lnRef idx="1">
-            <a:schemeClr val="accent1"/>
-          </a:lnRef>
-          <a:fillRef idx="3">
-            <a:schemeClr val="accent1"/>
-          </a:fillRef>
-          <a:effectRef idx="2">
-            <a:schemeClr val="accent1"/>
-          </a:effectRef>
-          <a:fontRef idx="minor">
-            <a:schemeClr val="lt1"/>
-          </a:fontRef>
-        </p:style>
-        <p:txBody>
-          <a:bodyPr rtlCol="0" anchor="ctr"/>
-          <a:lstStyle/>
-          <a:p>
-            <a:pPr algn="ctr">
-              <a:defRPr sz="1800">
-                <a:solidFill>
-                  <a:srgbClr val="000000"/>
-                </a:solidFill>
-              </a:defRPr>
-            </a:pPr>
-            <a:r>
-              <a:t>engineer</a:t>
-            </a:r>
-          </a:p>
-        </p:txBody>
-      </p:sp>
-      <p:sp>
-        <p:nvSpPr>
-          <p:cNvPr id="5" name="Oval 4"/>
-          <p:cNvSpPr/>
-          <p:nvPr/>
-        </p:nvSpPr>
-        <p:spPr>
-          <a:xfrm>
-            <a:off x="4114800" y="914400"/>
-            <a:ext cx="1828800" cy="731520"/>
-          </a:xfrm>
-          <a:prstGeom prst="ellipse">
-            <a:avLst/>
-          </a:prstGeom>
-          <a:solidFill>
-            <a:srgbClr val="00FF00"/>
-          </a:solidFill>
-        </p:spPr>
-        <p:style>
-          <a:lnRef idx="1">
-            <a:schemeClr val="accent1"/>
-          </a:lnRef>
-          <a:fillRef idx="3">
-            <a:schemeClr val="accent1"/>
-          </a:fillRef>
-          <a:effectRef idx="2">
-            <a:schemeClr val="accent1"/>
-          </a:effectRef>
-          <a:fontRef idx="minor">
-            <a:schemeClr val="lt1"/>
-          </a:fontRef>
-        </p:style>
-        <p:txBody>
-          <a:bodyPr rtlCol="0" anchor="ctr"/>
-          <a:lstStyle/>
-          <a:p>
-            <a:pPr algn="ctr">
-              <a:defRPr sz="1800">
-                <a:solidFill>
-                  <a:srgbClr val="000000"/>
-                </a:solidFill>
-              </a:defRPr>
-            </a:pPr>
-            <a:r>
-              <a:t>parts</a:t>
-            </a:r>
-          </a:p>
-        </p:txBody>
-      </p:sp>
-      <p:sp>
-        <p:nvSpPr>
-          <p:cNvPr id="6" name="Oval 5"/>
-          <p:cNvSpPr/>
-          <p:nvPr/>
-        </p:nvSpPr>
-        <p:spPr>
-          <a:xfrm>
-            <a:off x="5943600" y="914400"/>
-            <a:ext cx="1828800" cy="731520"/>
-          </a:xfrm>
-          <a:prstGeom prst="ellipse">
-            <a:avLst/>
-          </a:prstGeom>
-          <a:solidFill>
-            <a:srgbClr val="00FF00"/>
-          </a:solidFill>
-        </p:spPr>
-        <p:style>
-          <a:lnRef idx="1">
-            <a:schemeClr val="accent1"/>
-          </a:lnRef>
-          <a:fillRef idx="3">
-            <a:schemeClr val="accent1"/>
-          </a:fillRef>
-          <a:effectRef idx="2">
-            <a:schemeClr val="accent1"/>
-          </a:effectRef>
-          <a:fontRef idx="minor">
-            <a:schemeClr val="lt1"/>
-          </a:fontRef>
-        </p:style>
-        <p:txBody>
-          <a:bodyPr rtlCol="0" anchor="ctr"/>
-          <a:lstStyle/>
-          <a:p>
-            <a:pPr algn="ctr">
-              <a:defRPr sz="1800">
-                <a:solidFill>
-                  <a:srgbClr val="000000"/>
-                </a:solidFill>
-              </a:defRPr>
-            </a:pPr>
-            <a:r>
-              <a:t>parts </a:t>
-            </a:r>
-          </a:p>
-        </p:txBody>
-      </p:sp>
-      <p:sp>
-        <p:nvSpPr>
-          <p:cNvPr id="7" name="Oval 6"/>
-          <p:cNvSpPr/>
-          <p:nvPr/>
-        </p:nvSpPr>
-        <p:spPr>
-          <a:xfrm>
-            <a:off x="457200" y="1645920"/>
-            <a:ext cx="1828800" cy="731520"/>
-          </a:xfrm>
-          <a:prstGeom prst="ellipse">
-            <a:avLst/>
-          </a:prstGeom>
-          <a:solidFill>
-            <a:srgbClr val="FF0000"/>
-          </a:solidFill>
-        </p:spPr>
-        <p:style>
-          <a:lnRef idx="1">
-            <a:schemeClr val="accent1"/>
-          </a:lnRef>
-          <a:fillRef idx="3">
-            <a:schemeClr val="accent1"/>
-          </a:fillRef>
-          <a:effectRef idx="2">
-            <a:schemeClr val="accent1"/>
-          </a:effectRef>
-          <a:fontRef idx="minor">
-            <a:schemeClr val="lt1"/>
-          </a:fontRef>
-        </p:style>
-        <p:txBody>
-          <a:bodyPr rtlCol="0" anchor="ctr"/>
-          <a:lstStyle/>
-          <a:p>
-            <a:pPr algn="ctr">
-              <a:defRPr sz="1800">
-                <a:solidFill>
-                  <a:srgbClr val="000000"/>
-                </a:solidFill>
-              </a:defRPr>
-            </a:pPr>
-            <a:r>
-              <a:t>assembler </a:t>
-            </a:r>
-          </a:p>
-        </p:txBody>
-      </p:sp>
-      <p:sp>
-        <p:nvSpPr>
-          <p:cNvPr id="8" name="Oval 7"/>
-          <p:cNvSpPr/>
-          <p:nvPr/>
-        </p:nvSpPr>
-        <p:spPr>
-          <a:xfrm>
-            <a:off x="2286000" y="1645920"/>
-            <a:ext cx="1828800" cy="731520"/>
-          </a:xfrm>
-          <a:prstGeom prst="ellipse">
-            <a:avLst/>
-          </a:prstGeom>
-          <a:solidFill>
-            <a:srgbClr val="00FF00"/>
-          </a:solidFill>
-        </p:spPr>
-        <p:style>
-          <a:lnRef idx="1">
-            <a:schemeClr val="accent1"/>
-          </a:lnRef>
-          <a:fillRef idx="3">
-            <a:schemeClr val="accent1"/>
-          </a:fillRef>
-          <a:effectRef idx="2">
-            <a:schemeClr val="accent1"/>
-          </a:effectRef>
-          <a:fontRef idx="minor">
-            <a:schemeClr val="lt1"/>
-          </a:fontRef>
-        </p:style>
-        <p:txBody>
-          <a:bodyPr rtlCol="0" anchor="ctr"/>
-          <a:lstStyle/>
-          <a:p>
-            <a:pPr algn="ctr">
-              <a:defRPr sz="1800">
-                <a:solidFill>
-                  <a:srgbClr val="000000"/>
-                </a:solidFill>
-              </a:defRPr>
-            </a:pPr>
-            <a:r>
-              <a:t>assemblies</a:t>
-            </a:r>
-          </a:p>
-        </p:txBody>
-      </p:sp>
-      <p:sp>
-        <p:nvSpPr>
-          <p:cNvPr id="9" name="Oval 8"/>
-          <p:cNvSpPr/>
-          <p:nvPr/>
-        </p:nvSpPr>
-        <p:spPr>
-          <a:xfrm>
-            <a:off x="4114800" y="1645920"/>
-            <a:ext cx="1828800" cy="731520"/>
-          </a:xfrm>
-          <a:prstGeom prst="ellipse">
-            <a:avLst/>
-          </a:prstGeom>
-          <a:solidFill>
-            <a:srgbClr val="00FF00"/>
-          </a:solidFill>
-        </p:spPr>
-        <p:style>
-          <a:lnRef idx="1">
-            <a:schemeClr val="accent1"/>
-          </a:lnRef>
-          <a:fillRef idx="3">
-            <a:schemeClr val="accent1"/>
-          </a:fillRef>
-          <a:effectRef idx="2">
-            <a:schemeClr val="accent1"/>
-          </a:effectRef>
-          <a:fontRef idx="minor">
-            <a:schemeClr val="lt1"/>
-          </a:fontRef>
-        </p:style>
-        <p:txBody>
-          <a:bodyPr rtlCol="0" anchor="ctr"/>
-          <a:lstStyle/>
-          <a:p>
-            <a:pPr algn="ctr">
-              <a:defRPr sz="1800">
-                <a:solidFill>
-                  <a:srgbClr val="000000"/>
-                </a:solidFill>
-              </a:defRPr>
-            </a:pPr>
-            <a:r>
-              <a:t>assemblies</a:t>
-            </a:r>
-          </a:p>
-        </p:txBody>
-      </p:sp>
-      <p:sp>
-        <p:nvSpPr>
-          <p:cNvPr id="10" name="Oval 9"/>
-          <p:cNvSpPr/>
-          <p:nvPr/>
-        </p:nvSpPr>
-        <p:spPr>
-          <a:xfrm>
-            <a:off x="5943600" y="1645920"/>
-            <a:ext cx="1828800" cy="731520"/>
-          </a:xfrm>
-          <a:prstGeom prst="ellipse">
-            <a:avLst/>
-          </a:prstGeom>
-          <a:solidFill>
-            <a:srgbClr val="FF0000"/>
-          </a:solidFill>
-        </p:spPr>
-        <p:style>
-          <a:lnRef idx="1">
-            <a:schemeClr val="accent1"/>
-          </a:lnRef>
-          <a:fillRef idx="3">
-            <a:schemeClr val="accent1"/>
-          </a:fillRef>
-          <a:effectRef idx="2">
-            <a:schemeClr val="accent1"/>
-          </a:effectRef>
-          <a:fontRef idx="minor">
-            <a:schemeClr val="lt1"/>
-          </a:fontRef>
-        </p:style>
-        <p:txBody>
-          <a:bodyPr rtlCol="0" anchor="ctr"/>
-          <a:lstStyle/>
-          <a:p>
-            <a:pPr algn="ctr">
-              <a:defRPr sz="1800">
-                <a:solidFill>
-                  <a:srgbClr val="000000"/>
-                </a:solidFill>
-              </a:defRPr>
-            </a:pPr>
-            <a:r>
-              <a:t>owner</a:t>
-            </a:r>
-          </a:p>
-        </p:txBody>
-      </p:sp>
-      <p:sp>
-        <p:nvSpPr>
-          <p:cNvPr id="11" name="Oval 10"/>
-          <p:cNvSpPr/>
-          <p:nvPr/>
-        </p:nvSpPr>
-        <p:spPr>
-          <a:xfrm>
-            <a:off x="457200" y="2377440"/>
-            <a:ext cx="1828800" cy="731520"/>
-          </a:xfrm>
-          <a:prstGeom prst="ellipse">
-            <a:avLst/>
-          </a:prstGeom>
-          <a:solidFill>
-            <a:srgbClr val="FF0000"/>
-          </a:solidFill>
-        </p:spPr>
-        <p:style>
-          <a:lnRef idx="1">
-            <a:schemeClr val="accent1"/>
-          </a:lnRef>
-          <a:fillRef idx="3">
-            <a:schemeClr val="accent1"/>
-          </a:fillRef>
-          <a:effectRef idx="2">
-            <a:schemeClr val="accent1"/>
-          </a:effectRef>
-          <a:fontRef idx="minor">
-            <a:schemeClr val="lt1"/>
-          </a:fontRef>
-        </p:style>
-        <p:txBody>
-          <a:bodyPr rtlCol="0" anchor="ctr"/>
-          <a:lstStyle/>
-          <a:p>
-            <a:pPr algn="ctr">
-              <a:defRPr sz="1800">
-                <a:solidFill>
-                  <a:srgbClr val="000000"/>
-                </a:solidFill>
-              </a:defRPr>
-            </a:pPr>
-            <a:r>
-              <a:t>salesman </a:t>
-            </a:r>
-          </a:p>
-        </p:txBody>
-      </p:sp>
-      <p:sp>
-        <p:nvSpPr>
-          <p:cNvPr id="12" name="Oval 11"/>
-          <p:cNvSpPr/>
-          <p:nvPr/>
-        </p:nvSpPr>
-        <p:spPr>
-          <a:xfrm>
-            <a:off x="2286000" y="2377440"/>
-            <a:ext cx="1828800" cy="731520"/>
-          </a:xfrm>
-          <a:prstGeom prst="ellipse">
-            <a:avLst/>
-          </a:prstGeom>
-          <a:solidFill>
-            <a:srgbClr val="00FF00"/>
-          </a:solidFill>
-        </p:spPr>
-        <p:style>
-          <a:lnRef idx="1">
-            <a:schemeClr val="accent1"/>
-          </a:lnRef>
-          <a:fillRef idx="3">
-            <a:schemeClr val="accent1"/>
-          </a:fillRef>
-          <a:effectRef idx="2">
-            <a:schemeClr val="accent1"/>
-          </a:effectRef>
-          <a:fontRef idx="minor">
-            <a:schemeClr val="lt1"/>
-          </a:fontRef>
-        </p:style>
-        <p:txBody>
-          <a:bodyPr rtlCol="0" anchor="ctr"/>
-          <a:lstStyle/>
-          <a:p>
-            <a:pPr algn="ctr">
-              <a:defRPr sz="1800">
-                <a:solidFill>
-                  <a:srgbClr val="000000"/>
-                </a:solidFill>
-              </a:defRPr>
-            </a:pPr>
-            <a:r>
-              <a:t>sold car</a:t>
-            </a:r>
-          </a:p>
-        </p:txBody>
-      </p:sp>
-      <p:sp>
-        <p:nvSpPr>
-          <p:cNvPr id="13" name="Oval 12"/>
-          <p:cNvSpPr/>
-          <p:nvPr/>
-        </p:nvSpPr>
-        <p:spPr>
-          <a:xfrm>
-            <a:off x="4114800" y="2377440"/>
-            <a:ext cx="1828800" cy="731520"/>
-          </a:xfrm>
-          <a:prstGeom prst="ellipse">
-            <a:avLst/>
-          </a:prstGeom>
-          <a:solidFill>
-            <a:srgbClr val="FF0000"/>
-          </a:solidFill>
-        </p:spPr>
-        <p:style>
-          <a:lnRef idx="1">
-            <a:schemeClr val="accent1"/>
-          </a:lnRef>
-          <a:fillRef idx="3">
-            <a:schemeClr val="accent1"/>
-          </a:fillRef>
-          <a:effectRef idx="2">
-            <a:schemeClr val="accent1"/>
-          </a:effectRef>
-          <a:fontRef idx="minor">
-            <a:schemeClr val="lt1"/>
-          </a:fontRef>
-        </p:style>
-        <p:txBody>
-          <a:bodyPr rtlCol="0" anchor="ctr"/>
-          <a:lstStyle/>
-          <a:p>
-            <a:pPr algn="ctr">
-              <a:defRPr sz="1800">
-                <a:solidFill>
-                  <a:srgbClr val="000000"/>
-                </a:solidFill>
-              </a:defRPr>
-            </a:pPr>
-            <a:r>
-              <a:t>manager </a:t>
-            </a:r>
-          </a:p>
-        </p:txBody>
-      </p:sp>
-      <p:sp>
-        <p:nvSpPr>
-          <p:cNvPr id="14" name="Oval 13"/>
-          <p:cNvSpPr/>
-          <p:nvPr/>
-        </p:nvSpPr>
-        <p:spPr>
-          <a:xfrm>
-            <a:off x="5943600" y="2377440"/>
-            <a:ext cx="1828800" cy="731520"/>
-          </a:xfrm>
-          <a:prstGeom prst="ellipse">
-            <a:avLst/>
-          </a:prstGeom>
-          <a:solidFill>
-            <a:srgbClr val="00FF00"/>
-          </a:solidFill>
-        </p:spPr>
-        <p:style>
-          <a:lnRef idx="1">
-            <a:schemeClr val="accent1"/>
-          </a:lnRef>
-          <a:fillRef idx="3">
-            <a:schemeClr val="accent1"/>
-          </a:fillRef>
-          <a:effectRef idx="2">
-            <a:schemeClr val="accent1"/>
-          </a:effectRef>
-          <a:fontRef idx="minor">
-            <a:schemeClr val="lt1"/>
-          </a:fontRef>
-        </p:style>
-        <p:txBody>
-          <a:bodyPr rtlCol="0" anchor="ctr"/>
-          <a:lstStyle/>
-          <a:p>
-            <a:pPr algn="ctr">
-              <a:defRPr sz="1800">
-                <a:solidFill>
-                  <a:srgbClr val="000000"/>
-                </a:solidFill>
-              </a:defRPr>
-            </a:pPr>
-            <a:r>
-              <a:t>car with errors</a:t>
-            </a:r>
-          </a:p>
-        </p:txBody>
-      </p:sp>
-    </p:spTree>
-  </p:cSld>
-  <p:clrMapOvr>
-    <a:masterClrMapping/>
-  </p:clrMapOvr>
-</p:sld>
-</file>
-
-<file path=ppt/slides/slide3.xml><?xml version="1.0" encoding="utf-8"?>
-<p:sld xmlns:a="http://schemas.openxmlformats.org/drawingml/2006/main" xmlns:p="http://schemas.openxmlformats.org/presentationml/2006/main" xmlns:r="http://schemas.openxmlformats.org/officeDocument/2006/relationships">
-  <p:cSld>
-    <p:spTree>
-      <p:nvGrpSpPr>
-        <p:cNvPr id="1" name=""/>
-        <p:cNvGrpSpPr/>
-        <p:nvPr/>
-      </p:nvGrpSpPr>
-      <p:grpSpPr/>
-      <p:sp>
-        <p:nvSpPr>
-          <p:cNvPr id="2" name="Title 1"/>
-          <p:cNvSpPr>
-            <a:spLocks noGrp="1"/>
-          </p:cNvSpPr>
-          <p:nvPr>
-            <p:ph type="title"/>
-          </p:nvPr>
-        </p:nvSpPr>
-        <p:spPr/>
-        <p:txBody>
-          <a:bodyPr/>
-          <a:lstStyle/>
-          <a:p/>
-        </p:txBody>
-      </p:sp>
-      <p:sp>
-        <p:nvSpPr>
-          <p:cNvPr id="3" name="Oval 2"/>
-          <p:cNvSpPr/>
-          <p:nvPr/>
-        </p:nvSpPr>
-        <p:spPr>
-          <a:xfrm>
-            <a:off x="457200" y="914400"/>
-            <a:ext cx="2286000" cy="914400"/>
-          </a:xfrm>
-          <a:prstGeom prst="ellipse">
-            <a:avLst/>
-          </a:prstGeom>
-          <a:solidFill>
-            <a:srgbClr val="FFFFFF"/>
-          </a:solidFill>
-          <a:ln w="19050">
-            <a:solidFill>
-              <a:srgbClr val="000000"/>
-            </a:solidFill>
-          </a:ln>
-        </p:spPr>
-        <p:style>
-          <a:lnRef idx="1">
-            <a:schemeClr val="accent1"/>
-          </a:lnRef>
-          <a:fillRef idx="3">
-            <a:schemeClr val="accent1"/>
-          </a:fillRef>
-          <a:effectRef idx="2">
-            <a:schemeClr val="accent1"/>
-          </a:effectRef>
-          <a:fontRef idx="minor">
-            <a:schemeClr val="lt1"/>
-          </a:fontRef>
-        </p:style>
-        <p:txBody>
-          <a:bodyPr rtlCol="0" anchor="ctr"/>
-          <a:lstStyle/>
-          <a:p>
-            <a:pPr algn="ctr"/>
-          </a:p>
-          <a:p>
-            <a:pPr algn="l">
-              <a:defRPr sz="1800">
-                <a:solidFill>
-                  <a:srgbClr val="000000"/>
-                </a:solidFill>
-              </a:defRPr>
-            </a:pPr>
-            <a:r>
-              <a:t>good</a:t>
-            </a:r>
-          </a:p>
-        </p:txBody>
-      </p:sp>
-      <p:sp>
-        <p:nvSpPr>
-          <p:cNvPr id="4" name="Oval 3"/>
-          <p:cNvSpPr/>
-          <p:nvPr/>
-        </p:nvSpPr>
-        <p:spPr>
-          <a:xfrm>
-            <a:off x="2743200" y="914400"/>
-            <a:ext cx="2286000" cy="914400"/>
-          </a:xfrm>
-          <a:prstGeom prst="ellipse">
-            <a:avLst/>
-          </a:prstGeom>
-          <a:solidFill>
-            <a:srgbClr val="FFFFFF"/>
-          </a:solidFill>
-          <a:ln w="19050">
-            <a:solidFill>
-              <a:srgbClr val="000000"/>
-            </a:solidFill>
-          </a:ln>
-        </p:spPr>
-        <p:style>
-          <a:lnRef idx="1">
-            <a:schemeClr val="accent1"/>
-          </a:lnRef>
-          <a:fillRef idx="3">
-            <a:schemeClr val="accent1"/>
-          </a:fillRef>
-          <a:effectRef idx="2">
-            <a:schemeClr val="accent1"/>
-          </a:effectRef>
-          <a:fontRef idx="minor">
-            <a:schemeClr val="lt1"/>
-          </a:fontRef>
-        </p:style>
-        <p:txBody>
-          <a:bodyPr rtlCol="0" anchor="ctr"/>
-          <a:lstStyle/>
-          <a:p>
-            <a:pPr algn="ctr"/>
-          </a:p>
-          <a:p>
-            <a:pPr algn="l">
-              <a:defRPr sz="1800">
-                <a:solidFill>
-                  <a:srgbClr val="000000"/>
-                </a:solidFill>
-              </a:defRPr>
-            </a:pPr>
-            <a:r>
-              <a:t>bad</a:t>
-            </a:r>
-          </a:p>
-        </p:txBody>
-      </p:sp>
-    </p:spTree>
-  </p:cSld>
-  <p:clrMapOvr>
-    <a:masterClrMapping/>
-  </p:clrMapOvr>
-</p:sld>
-</file>
-
-<file path=ppt/slides/slide4.xml><?xml version="1.0" encoding="utf-8"?>
-<p:sld xmlns:a="http://schemas.openxmlformats.org/drawingml/2006/main" xmlns:p="http://schemas.openxmlformats.org/presentationml/2006/main" xmlns:r="http://schemas.openxmlformats.org/officeDocument/2006/relationships">
-  <p:cSld>
-    <p:spTree>
-      <p:nvGrpSpPr>
-        <p:cNvPr id="1" name=""/>
-        <p:cNvGrpSpPr/>
-        <p:nvPr/>
-      </p:nvGrpSpPr>
-      <p:grpSpPr/>
-      <p:sp>
-        <p:nvSpPr>
-          <p:cNvPr id="2" name="Title 1"/>
-          <p:cNvSpPr>
-            <a:spLocks noGrp="1"/>
-          </p:cNvSpPr>
-          <p:nvPr>
-            <p:ph type="title"/>
-          </p:nvPr>
-        </p:nvSpPr>
-        <p:spPr/>
-        <p:txBody>
-          <a:bodyPr/>
-          <a:lstStyle/>
-          <a:p/>
-        </p:txBody>
-      </p:sp>
-      <p:sp>
-        <p:nvSpPr>
-          <p:cNvPr id="3" name="Oval 2"/>
-          <p:cNvSpPr/>
-          <p:nvPr/>
-        </p:nvSpPr>
-        <p:spPr>
-          <a:xfrm>
-            <a:off x="457200" y="1371600"/>
-            <a:ext cx="2743200" cy="1371600"/>
-          </a:xfrm>
-          <a:prstGeom prst="ellipse">
-            <a:avLst/>
-          </a:prstGeom>
-          <a:solidFill>
-            <a:srgbClr val="FFFFFF"/>
-          </a:solidFill>
-          <a:ln w="12700">
-            <a:solidFill>
-              <a:srgbClr val="000000"/>
-            </a:solidFill>
-            <a:prstDash val="dash"/>
-          </a:ln>
-        </p:spPr>
-        <p:style>
-          <a:lnRef idx="1">
-            <a:schemeClr val="accent1"/>
-          </a:lnRef>
-          <a:fillRef idx="3">
-            <a:schemeClr val="accent1"/>
-          </a:fillRef>
-          <a:effectRef idx="2">
-            <a:schemeClr val="accent1"/>
-          </a:effectRef>
-          <a:fontRef idx="minor">
-            <a:schemeClr val="lt1"/>
-          </a:fontRef>
-        </p:style>
-        <p:txBody>
-          <a:bodyPr rtlCol="0" anchor="ctr"/>
-          <a:lstStyle/>
-          <a:p>
-            <a:pPr algn="ctr"/>
-          </a:p>
-          <a:p>
-            <a:pPr algn="ctr">
-              <a:defRPr sz="1400">
-                <a:solidFill>
-                  <a:srgbClr val="000000"/>
-                </a:solidFill>
-              </a:defRPr>
-            </a:pPr>
-            <a:r>
-              <a:t>Quality</a:t>
-            </a:r>
-          </a:p>
-        </p:txBody>
-      </p:sp>
-      <p:sp>
-        <p:nvSpPr>
-          <p:cNvPr id="4" name="Oval 3"/>
-          <p:cNvSpPr/>
-          <p:nvPr/>
-        </p:nvSpPr>
-        <p:spPr>
-          <a:xfrm>
-            <a:off x="914400" y="1645920"/>
-            <a:ext cx="1828800" cy="731520"/>
-          </a:xfrm>
-          <a:prstGeom prst="ellipse">
-            <a:avLst/>
-          </a:prstGeom>
-          <a:solidFill>
-            <a:srgbClr val="FFFFFF"/>
-          </a:solidFill>
-          <a:ln w="12700">
-            <a:solidFill>
-              <a:srgbClr val="000000"/>
-            </a:solidFill>
-          </a:ln>
-        </p:spPr>
-        <p:style>
-          <a:lnRef idx="1">
-            <a:schemeClr val="accent1"/>
-          </a:lnRef>
-          <a:fillRef idx="3">
-            <a:schemeClr val="accent1"/>
-          </a:fillRef>
-          <a:effectRef idx="2">
-            <a:schemeClr val="accent1"/>
-          </a:effectRef>
-          <a:fontRef idx="minor">
-            <a:schemeClr val="lt1"/>
-          </a:fontRef>
-        </p:style>
-        <p:txBody>
-          <a:bodyPr rtlCol="0" anchor="ctr"/>
-          <a:lstStyle/>
-          <a:p>
-            <a:pPr algn="ctr"/>
-          </a:p>
-          <a:p>
-            <a:pPr algn="ctr">
-              <a:defRPr sz="1200">
-                <a:solidFill>
-                  <a:srgbClr val="000000"/>
-                </a:solidFill>
-              </a:defRPr>
-            </a:pPr>
-            <a:r>
-              <a:t>good</a:t>
-            </a:r>
-          </a:p>
-        </p:txBody>
-      </p:sp>
-      <p:sp>
-        <p:nvSpPr>
-          <p:cNvPr id="5" name="Oval 4"/>
-          <p:cNvSpPr/>
-          <p:nvPr/>
-        </p:nvSpPr>
-        <p:spPr>
-          <a:xfrm>
-            <a:off x="3657600" y="1371600"/>
-            <a:ext cx="2743200" cy="1371600"/>
-          </a:xfrm>
-          <a:prstGeom prst="ellipse">
-            <a:avLst/>
-          </a:prstGeom>
-          <a:solidFill>
-            <a:srgbClr val="FFFFFF"/>
-          </a:solidFill>
-          <a:ln w="12700">
-            <a:solidFill>
-              <a:srgbClr val="000000"/>
-            </a:solidFill>
-            <a:prstDash val="dash"/>
-          </a:ln>
-        </p:spPr>
-        <p:style>
-          <a:lnRef idx="1">
-            <a:schemeClr val="accent1"/>
-          </a:lnRef>
-          <a:fillRef idx="3">
-            <a:schemeClr val="accent1"/>
-          </a:fillRef>
-          <a:effectRef idx="2">
-            <a:schemeClr val="accent1"/>
-          </a:effectRef>
-          <a:fontRef idx="minor">
-            <a:schemeClr val="lt1"/>
-          </a:fontRef>
-        </p:style>
-        <p:txBody>
-          <a:bodyPr rtlCol="0" anchor="ctr"/>
-          <a:lstStyle/>
-          <a:p>
-            <a:pPr algn="ctr"/>
-          </a:p>
-          <a:p>
-            <a:pPr algn="ctr">
-              <a:defRPr sz="1400">
-                <a:solidFill>
-                  <a:srgbClr val="000000"/>
-                </a:solidFill>
-              </a:defRPr>
-            </a:pPr>
-            <a:r>
-              <a:t>Quality</a:t>
-            </a:r>
-          </a:p>
-        </p:txBody>
-      </p:sp>
-      <p:sp>
-        <p:nvSpPr>
-          <p:cNvPr id="6" name="Oval 5"/>
-          <p:cNvSpPr/>
-          <p:nvPr/>
-        </p:nvSpPr>
-        <p:spPr>
-          <a:xfrm>
-            <a:off x="4114800" y="1645920"/>
-            <a:ext cx="1828800" cy="731520"/>
-          </a:xfrm>
-          <a:prstGeom prst="ellipse">
-            <a:avLst/>
-          </a:prstGeom>
-          <a:solidFill>
-            <a:srgbClr val="FFFFFF"/>
-          </a:solidFill>
-          <a:ln w="12700">
-            <a:solidFill>
-              <a:srgbClr val="000000"/>
-            </a:solidFill>
-          </a:ln>
-        </p:spPr>
-        <p:style>
-          <a:lnRef idx="1">
-            <a:schemeClr val="accent1"/>
-          </a:lnRef>
-          <a:fillRef idx="3">
-            <a:schemeClr val="accent1"/>
-          </a:fillRef>
-          <a:effectRef idx="2">
-            <a:schemeClr val="accent1"/>
-          </a:effectRef>
-          <a:fontRef idx="minor">
-            <a:schemeClr val="lt1"/>
-          </a:fontRef>
-        </p:style>
-        <p:txBody>
-          <a:bodyPr rtlCol="0" anchor="ctr"/>
-          <a:lstStyle/>
-          <a:p>
-            <a:pPr algn="ctr"/>
-          </a:p>
-          <a:p>
-            <a:pPr algn="ctr">
-              <a:defRPr sz="1200">
-                <a:solidFill>
-                  <a:srgbClr val="000000"/>
-                </a:solidFill>
-              </a:defRPr>
-            </a:pPr>
-            <a:r>
-              <a:t>bad</a:t>
-            </a:r>
-          </a:p>
-        </p:txBody>
-      </p:sp>
-      <p:sp>
-        <p:nvSpPr>
-          <p:cNvPr id="7" name="Oval 6"/>
-          <p:cNvSpPr/>
-          <p:nvPr/>
-        </p:nvSpPr>
-        <p:spPr>
-          <a:xfrm>
-            <a:off x="457200" y="3200400"/>
-            <a:ext cx="2743200" cy="1371600"/>
-          </a:xfrm>
-          <a:prstGeom prst="ellipse">
-            <a:avLst/>
-          </a:prstGeom>
-          <a:solidFill>
-            <a:srgbClr val="FFFFFF"/>
-          </a:solidFill>
-          <a:ln w="12700">
-            <a:solidFill>
-              <a:srgbClr val="000000"/>
-            </a:solidFill>
-            <a:prstDash val="dash"/>
-          </a:ln>
-        </p:spPr>
-        <p:style>
-          <a:lnRef idx="1">
-            <a:schemeClr val="accent1"/>
-          </a:lnRef>
-          <a:fillRef idx="3">
-            <a:schemeClr val="accent1"/>
-          </a:fillRef>
-          <a:effectRef idx="2">
-            <a:schemeClr val="accent1"/>
-          </a:effectRef>
-          <a:fontRef idx="minor">
-            <a:schemeClr val="lt1"/>
-          </a:fontRef>
-        </p:style>
-        <p:txBody>
-          <a:bodyPr rtlCol="0" anchor="ctr"/>
-          <a:lstStyle/>
-          <a:p>
-            <a:pPr algn="ctr"/>
-          </a:p>
-          <a:p>
-            <a:pPr algn="ctr">
-              <a:defRPr sz="1400">
-                <a:solidFill>
-                  <a:srgbClr val="000000"/>
-                </a:solidFill>
-              </a:defRPr>
-            </a:pPr>
-            <a:r>
-              <a:t>Quality</a:t>
-            </a:r>
-          </a:p>
-        </p:txBody>
-      </p:sp>
-      <p:sp>
-        <p:nvSpPr>
-          <p:cNvPr id="8" name="Oval 7"/>
-          <p:cNvSpPr/>
-          <p:nvPr/>
-        </p:nvSpPr>
-        <p:spPr>
-          <a:xfrm>
-            <a:off x="914400" y="3474720"/>
-            <a:ext cx="1828800" cy="731520"/>
-          </a:xfrm>
-          <a:prstGeom prst="ellipse">
-            <a:avLst/>
-          </a:prstGeom>
-          <a:solidFill>
-            <a:srgbClr val="FFFFFF"/>
-          </a:solidFill>
-          <a:ln w="12700">
-            <a:solidFill>
-              <a:srgbClr val="000000"/>
-            </a:solidFill>
-          </a:ln>
-        </p:spPr>
-        <p:style>
-          <a:lnRef idx="1">
-            <a:schemeClr val="accent1"/>
-          </a:lnRef>
-          <a:fillRef idx="3">
-            <a:schemeClr val="accent1"/>
-          </a:fillRef>
-          <a:effectRef idx="2">
-            <a:schemeClr val="accent1"/>
-          </a:effectRef>
-          <a:fontRef idx="minor">
-            <a:schemeClr val="lt1"/>
-          </a:fontRef>
-        </p:style>
-        <p:txBody>
-          <a:bodyPr rtlCol="0" anchor="ctr"/>
-          <a:lstStyle/>
-          <a:p>
-            <a:pPr algn="ctr"/>
-          </a:p>
-          <a:p>
-            <a:pPr algn="ctr">
-              <a:defRPr sz="1200">
-                <a:solidFill>
-                  <a:srgbClr val="000000"/>
-                </a:solidFill>
-              </a:defRPr>
-            </a:pPr>
-            <a:r>
-              <a:t>good</a:t>
-            </a:r>
-          </a:p>
-        </p:txBody>
-      </p:sp>
-      <p:sp>
-        <p:nvSpPr>
-          <p:cNvPr id="9" name="Oval 8"/>
-          <p:cNvSpPr/>
-          <p:nvPr/>
-        </p:nvSpPr>
-        <p:spPr>
-          <a:xfrm>
-            <a:off x="3657600" y="3200400"/>
-            <a:ext cx="2743200" cy="1371600"/>
-          </a:xfrm>
-          <a:prstGeom prst="ellipse">
-            <a:avLst/>
-          </a:prstGeom>
-          <a:solidFill>
-            <a:srgbClr val="FFFFFF"/>
-          </a:solidFill>
-          <a:ln w="12700">
-            <a:solidFill>
-              <a:srgbClr val="000000"/>
-            </a:solidFill>
-            <a:prstDash val="dash"/>
-          </a:ln>
-        </p:spPr>
-        <p:style>
-          <a:lnRef idx="1">
-            <a:schemeClr val="accent1"/>
-          </a:lnRef>
-          <a:fillRef idx="3">
-            <a:schemeClr val="accent1"/>
-          </a:fillRef>
-          <a:effectRef idx="2">
-            <a:schemeClr val="accent1"/>
-          </a:effectRef>
-          <a:fontRef idx="minor">
-            <a:schemeClr val="lt1"/>
-          </a:fontRef>
-        </p:style>
-        <p:txBody>
-          <a:bodyPr rtlCol="0" anchor="ctr"/>
-          <a:lstStyle/>
-          <a:p>
-            <a:pPr algn="ctr"/>
-          </a:p>
-          <a:p>
-            <a:pPr algn="ctr">
-              <a:defRPr sz="1400">
-                <a:solidFill>
-                  <a:srgbClr val="000000"/>
-                </a:solidFill>
-              </a:defRPr>
-            </a:pPr>
-            <a:r>
-              <a:t>Quality</a:t>
-            </a:r>
-          </a:p>
-        </p:txBody>
-      </p:sp>
-      <p:sp>
-        <p:nvSpPr>
-          <p:cNvPr id="10" name="Oval 9"/>
-          <p:cNvSpPr/>
-          <p:nvPr/>
-        </p:nvSpPr>
-        <p:spPr>
-          <a:xfrm>
-            <a:off x="4114800" y="3474720"/>
-            <a:ext cx="1828800" cy="731520"/>
-          </a:xfrm>
-          <a:prstGeom prst="ellipse">
-            <a:avLst/>
-          </a:prstGeom>
-          <a:solidFill>
-            <a:srgbClr val="FFFFFF"/>
-          </a:solidFill>
-          <a:ln w="12700">
-            <a:solidFill>
-              <a:srgbClr val="000000"/>
-            </a:solidFill>
-          </a:ln>
-        </p:spPr>
-        <p:style>
-          <a:lnRef idx="1">
-            <a:schemeClr val="accent1"/>
-          </a:lnRef>
-          <a:fillRef idx="3">
-            <a:schemeClr val="accent1"/>
-          </a:fillRef>
-          <a:effectRef idx="2">
-            <a:schemeClr val="accent1"/>
-          </a:effectRef>
-          <a:fontRef idx="minor">
-            <a:schemeClr val="lt1"/>
-          </a:fontRef>
-        </p:style>
-        <p:txBody>
-          <a:bodyPr rtlCol="0" anchor="ctr"/>
-          <a:lstStyle/>
-          <a:p>
-            <a:pPr algn="ctr"/>
-          </a:p>
-          <a:p>
-            <a:pPr algn="ctr">
-              <a:defRPr sz="1200">
-                <a:solidFill>
-                  <a:srgbClr val="000000"/>
-                </a:solidFill>
-              </a:defRPr>
-            </a:pPr>
-            <a:r>
-              <a:t>bad</a:t>
-            </a:r>
-          </a:p>
-        </p:txBody>
-      </p:sp>
-    </p:spTree>
-  </p:cSld>
-  <p:clrMapOvr>
-    <a:masterClrMapping/>
-  </p:clrMapOvr>
-</p:sld>
-</file>
-
-<file path=ppt/slides/slide5.xml><?xml version="1.0" encoding="utf-8"?>
-<p:sld xmlns:a="http://schemas.openxmlformats.org/drawingml/2006/main" xmlns:p="http://schemas.openxmlformats.org/presentationml/2006/main" xmlns:r="http://schemas.openxmlformats.org/officeDocument/2006/relationships">
-  <p:cSld>
-    <p:spTree>
-      <p:nvGrpSpPr>
-        <p:cNvPr id="1" name=""/>
-        <p:cNvGrpSpPr/>
-        <p:nvPr/>
-      </p:nvGrpSpPr>
-      <p:grpSpPr/>
-      <p:sp>
-        <p:nvSpPr>
-          <p:cNvPr id="2" name="Title 1"/>
-          <p:cNvSpPr>
-            <a:spLocks noGrp="1"/>
-          </p:cNvSpPr>
-          <p:nvPr>
-            <p:ph type="title"/>
-          </p:nvPr>
-        </p:nvSpPr>
-        <p:spPr/>
-        <p:txBody>
-          <a:bodyPr/>
-          <a:lstStyle/>
-          <a:p/>
-        </p:txBody>
-      </p:sp>
-      <p:sp>
-        <p:nvSpPr>
-          <p:cNvPr id="3" name="TextBox 2"/>
-          <p:cNvSpPr txBox="1"/>
-          <p:nvPr/>
-        </p:nvSpPr>
-        <p:spPr>
-          <a:xfrm>
-            <a:off x="457200" y="914400"/>
-            <a:ext cx="1371600" cy="457200"/>
+            <a:off x="457200" y="1828800"/>
+            <a:ext cx="2286000" cy="457200"/>
           </a:xfrm>
           <a:prstGeom prst="rect">
             <a:avLst/>
@@ -4840,14 +3194,14 @@
       </p:sp>
       <p:sp>
         <p:nvSpPr>
-          <p:cNvPr id="4" name="TextBox 3"/>
+          <p:cNvPr id="6" name="TextBox 5"/>
           <p:cNvSpPr txBox="1"/>
           <p:nvPr/>
         </p:nvSpPr>
         <p:spPr>
           <a:xfrm>
-            <a:off x="1828800" y="914400"/>
-            <a:ext cx="1371600" cy="457200"/>
+            <a:off x="457200" y="2286000"/>
+            <a:ext cx="2286000" cy="457200"/>
           </a:xfrm>
           <a:prstGeom prst="rect">
             <a:avLst/>
@@ -4862,21 +3216,21 @@
           <a:p>
             <a:pPr algn="ctr"/>
             <a:r>
-              <a:t>sells car</a:t>
-            </a:r>
-          </a:p>
-        </p:txBody>
-      </p:sp>
-      <p:sp>
-        <p:nvSpPr>
-          <p:cNvPr id="5" name="TextBox 4"/>
+              <a:t>decides good or bad quality</a:t>
+            </a:r>
+          </a:p>
+        </p:txBody>
+      </p:sp>
+      <p:sp>
+        <p:nvSpPr>
+          <p:cNvPr id="7" name="TextBox 6"/>
           <p:cNvSpPr txBox="1"/>
           <p:nvPr/>
         </p:nvSpPr>
         <p:spPr>
           <a:xfrm>
-            <a:off x="3200400" y="914400"/>
-            <a:ext cx="1371600" cy="457200"/>
+            <a:off x="457200" y="2743200"/>
+            <a:ext cx="2286000" cy="457200"/>
           </a:xfrm>
           <a:prstGeom prst="rect">
             <a:avLst/>
@@ -4891,7 +3245,94 @@
           <a:p>
             <a:pPr algn="ctr"/>
             <a:r>
+              <a:t>sells car</a:t>
+            </a:r>
+          </a:p>
+        </p:txBody>
+      </p:sp>
+      <p:sp>
+        <p:nvSpPr>
+          <p:cNvPr id="8" name="TextBox 7"/>
+          <p:cNvSpPr txBox="1"/>
+          <p:nvPr/>
+        </p:nvSpPr>
+        <p:spPr>
+          <a:xfrm>
+            <a:off x="457200" y="3200400"/>
+            <a:ext cx="2286000" cy="457200"/>
+          </a:xfrm>
+          <a:prstGeom prst="rect">
+            <a:avLst/>
+          </a:prstGeom>
+          <a:noFill/>
+        </p:spPr>
+        <p:txBody>
+          <a:bodyPr wrap="none">
+            <a:spAutoFit/>
+          </a:bodyPr>
+          <a:lstStyle/>
+          <a:p>
+            <a:pPr algn="ctr"/>
+            <a:r>
+              <a:t>sells car</a:t>
+            </a:r>
+          </a:p>
+        </p:txBody>
+      </p:sp>
+      <p:sp>
+        <p:nvSpPr>
+          <p:cNvPr id="9" name="TextBox 8"/>
+          <p:cNvSpPr txBox="1"/>
+          <p:nvPr/>
+        </p:nvSpPr>
+        <p:spPr>
+          <a:xfrm>
+            <a:off x="457200" y="3657600"/>
+            <a:ext cx="2286000" cy="457200"/>
+          </a:xfrm>
+          <a:prstGeom prst="rect">
+            <a:avLst/>
+          </a:prstGeom>
+          <a:noFill/>
+        </p:spPr>
+        <p:txBody>
+          <a:bodyPr wrap="none">
+            <a:spAutoFit/>
+          </a:bodyPr>
+          <a:lstStyle/>
+          <a:p>
+            <a:pPr algn="ctr"/>
+            <a:r>
               <a:t>sold car</a:t>
+            </a:r>
+          </a:p>
+        </p:txBody>
+      </p:sp>
+      <p:sp>
+        <p:nvSpPr>
+          <p:cNvPr id="10" name="TextBox 9"/>
+          <p:cNvSpPr txBox="1"/>
+          <p:nvPr/>
+        </p:nvSpPr>
+        <p:spPr>
+          <a:xfrm>
+            <a:off x="457200" y="4114800"/>
+            <a:ext cx="2286000" cy="457200"/>
+          </a:xfrm>
+          <a:prstGeom prst="rect">
+            <a:avLst/>
+          </a:prstGeom>
+          <a:noFill/>
+        </p:spPr>
+        <p:txBody>
+          <a:bodyPr wrap="none">
+            <a:spAutoFit/>
+          </a:bodyPr>
+          <a:lstStyle/>
+          <a:p>
+            <a:pPr algn="ctr"/>
+            <a:r>
+              <a:t>remakes car</a:t>
             </a:r>
           </a:p>
         </p:txBody>
